--- a/instructions/instructions-slide.pptx
+++ b/instructions/instructions-slide.pptx
@@ -5,8 +5,9 @@
     <p:sldMasterId id="2147483648" r:id="rId1"/>
   </p:sldMasterIdLst>
   <p:sldIdLst>
-    <p:sldId id="256" r:id="rId2"/>
-    <p:sldId id="257" r:id="rId3"/>
+    <p:sldId id="258" r:id="rId2"/>
+    <p:sldId id="256" r:id="rId3"/>
+    <p:sldId id="257" r:id="rId4"/>
   </p:sldIdLst>
   <p:sldSz cx="12192000" cy="6858000"/>
   <p:notesSz cx="6858000" cy="9144000"/>
@@ -273,7 +274,7 @@
           <a:p>
             <a:fld id="{9DE9F818-DFB4-2D43-ACE9-BA535D146252}" type="datetimeFigureOut">
               <a:rPr lang="en-NO" smtClean="0"/>
-              <a:t>08/07/2022</a:t>
+              <a:t>04/10/2022</a:t>
             </a:fld>
             <a:endParaRPr lang="en-NO"/>
           </a:p>
@@ -473,7 +474,7 @@
           <a:p>
             <a:fld id="{9DE9F818-DFB4-2D43-ACE9-BA535D146252}" type="datetimeFigureOut">
               <a:rPr lang="en-NO" smtClean="0"/>
-              <a:t>08/07/2022</a:t>
+              <a:t>04/10/2022</a:t>
             </a:fld>
             <a:endParaRPr lang="en-NO"/>
           </a:p>
@@ -683,7 +684,7 @@
           <a:p>
             <a:fld id="{9DE9F818-DFB4-2D43-ACE9-BA535D146252}" type="datetimeFigureOut">
               <a:rPr lang="en-NO" smtClean="0"/>
-              <a:t>08/07/2022</a:t>
+              <a:t>04/10/2022</a:t>
             </a:fld>
             <a:endParaRPr lang="en-NO"/>
           </a:p>
@@ -883,7 +884,7 @@
           <a:p>
             <a:fld id="{9DE9F818-DFB4-2D43-ACE9-BA535D146252}" type="datetimeFigureOut">
               <a:rPr lang="en-NO" smtClean="0"/>
-              <a:t>08/07/2022</a:t>
+              <a:t>04/10/2022</a:t>
             </a:fld>
             <a:endParaRPr lang="en-NO"/>
           </a:p>
@@ -1159,7 +1160,7 @@
           <a:p>
             <a:fld id="{9DE9F818-DFB4-2D43-ACE9-BA535D146252}" type="datetimeFigureOut">
               <a:rPr lang="en-NO" smtClean="0"/>
-              <a:t>08/07/2022</a:t>
+              <a:t>04/10/2022</a:t>
             </a:fld>
             <a:endParaRPr lang="en-NO"/>
           </a:p>
@@ -1427,7 +1428,7 @@
           <a:p>
             <a:fld id="{9DE9F818-DFB4-2D43-ACE9-BA535D146252}" type="datetimeFigureOut">
               <a:rPr lang="en-NO" smtClean="0"/>
-              <a:t>08/07/2022</a:t>
+              <a:t>04/10/2022</a:t>
             </a:fld>
             <a:endParaRPr lang="en-NO"/>
           </a:p>
@@ -1842,7 +1843,7 @@
           <a:p>
             <a:fld id="{9DE9F818-DFB4-2D43-ACE9-BA535D146252}" type="datetimeFigureOut">
               <a:rPr lang="en-NO" smtClean="0"/>
-              <a:t>08/07/2022</a:t>
+              <a:t>04/10/2022</a:t>
             </a:fld>
             <a:endParaRPr lang="en-NO"/>
           </a:p>
@@ -1984,7 +1985,7 @@
           <a:p>
             <a:fld id="{9DE9F818-DFB4-2D43-ACE9-BA535D146252}" type="datetimeFigureOut">
               <a:rPr lang="en-NO" smtClean="0"/>
-              <a:t>08/07/2022</a:t>
+              <a:t>04/10/2022</a:t>
             </a:fld>
             <a:endParaRPr lang="en-NO"/>
           </a:p>
@@ -2097,7 +2098,7 @@
           <a:p>
             <a:fld id="{9DE9F818-DFB4-2D43-ACE9-BA535D146252}" type="datetimeFigureOut">
               <a:rPr lang="en-NO" smtClean="0"/>
-              <a:t>08/07/2022</a:t>
+              <a:t>04/10/2022</a:t>
             </a:fld>
             <a:endParaRPr lang="en-NO"/>
           </a:p>
@@ -2410,7 +2411,7 @@
           <a:p>
             <a:fld id="{9DE9F818-DFB4-2D43-ACE9-BA535D146252}" type="datetimeFigureOut">
               <a:rPr lang="en-NO" smtClean="0"/>
-              <a:t>08/07/2022</a:t>
+              <a:t>04/10/2022</a:t>
             </a:fld>
             <a:endParaRPr lang="en-NO"/>
           </a:p>
@@ -2699,7 +2700,7 @@
           <a:p>
             <a:fld id="{9DE9F818-DFB4-2D43-ACE9-BA535D146252}" type="datetimeFigureOut">
               <a:rPr lang="en-NO" smtClean="0"/>
-              <a:t>08/07/2022</a:t>
+              <a:t>04/10/2022</a:t>
             </a:fld>
             <a:endParaRPr lang="en-NO"/>
           </a:p>
@@ -2942,7 +2943,7 @@
           <a:p>
             <a:fld id="{9DE9F818-DFB4-2D43-ACE9-BA535D146252}" type="datetimeFigureOut">
               <a:rPr lang="en-NO" smtClean="0"/>
-              <a:t>08/07/2022</a:t>
+              <a:t>04/10/2022</a:t>
             </a:fld>
             <a:endParaRPr lang="en-NO"/>
           </a:p>
@@ -3361,6 +3362,1058 @@
       </p:grpSpPr>
       <p:pic>
         <p:nvPicPr>
+          <p:cNvPr id="20" name="Picture 19" descr="Graphical user interface, website&#10;&#10;Description automatically generated">
+            <a:extLst>
+              <a:ext uri="{FF2B5EF4-FFF2-40B4-BE49-F238E27FC236}">
+                <a16:creationId xmlns:a16="http://schemas.microsoft.com/office/drawing/2014/main" id="{57A60849-5F0E-C944-A208-2906DCFE9E4C}"/>
+              </a:ext>
+            </a:extLst>
+          </p:cNvPr>
+          <p:cNvPicPr>
+            <a:picLocks noChangeAspect="1"/>
+          </p:cNvPicPr>
+          <p:nvPr/>
+        </p:nvPicPr>
+        <p:blipFill rotWithShape="1">
+          <a:blip r:embed="rId2"/>
+          <a:srcRect t="1014" b="34493"/>
+          <a:stretch/>
+        </p:blipFill>
+        <p:spPr>
+          <a:xfrm>
+            <a:off x="3424858" y="548007"/>
+            <a:ext cx="5342285" cy="5761986"/>
+          </a:xfrm>
+          <a:prstGeom prst="rect">
+            <a:avLst/>
+          </a:prstGeom>
+        </p:spPr>
+      </p:pic>
+      <p:sp>
+        <p:nvSpPr>
+          <p:cNvPr id="8" name="Rectangular Callout 7">
+            <a:extLst>
+              <a:ext uri="{FF2B5EF4-FFF2-40B4-BE49-F238E27FC236}">
+                <a16:creationId xmlns:a16="http://schemas.microsoft.com/office/drawing/2014/main" id="{AEE31793-2A02-9B2B-E34E-5DE8EC91CDA5}"/>
+              </a:ext>
+            </a:extLst>
+          </p:cNvPr>
+          <p:cNvSpPr/>
+          <p:nvPr/>
+        </p:nvSpPr>
+        <p:spPr>
+          <a:xfrm>
+            <a:off x="8865704" y="548007"/>
+            <a:ext cx="1360512" cy="680951"/>
+          </a:xfrm>
+          <a:prstGeom prst="wedgeRectCallout">
+            <a:avLst>
+              <a:gd name="adj1" fmla="val -83218"/>
+              <a:gd name="adj2" fmla="val 51659"/>
+            </a:avLst>
+          </a:prstGeom>
+        </p:spPr>
+        <p:style>
+          <a:lnRef idx="2">
+            <a:schemeClr val="accent1">
+              <a:shade val="50000"/>
+            </a:schemeClr>
+          </a:lnRef>
+          <a:fillRef idx="1">
+            <a:schemeClr val="accent1"/>
+          </a:fillRef>
+          <a:effectRef idx="0">
+            <a:schemeClr val="accent1"/>
+          </a:effectRef>
+          <a:fontRef idx="minor">
+            <a:schemeClr val="lt1"/>
+          </a:fontRef>
+        </p:style>
+        <p:txBody>
+          <a:bodyPr rtlCol="0" anchor="ctr"/>
+          <a:lstStyle/>
+          <a:p>
+            <a:pPr algn="ctr"/>
+            <a:r>
+              <a:rPr lang="en-NO" dirty="0"/>
+              <a:t>Drilling target</a:t>
+            </a:r>
+          </a:p>
+        </p:txBody>
+      </p:sp>
+      <p:sp>
+        <p:nvSpPr>
+          <p:cNvPr id="9" name="Rectangular Callout 8">
+            <a:extLst>
+              <a:ext uri="{FF2B5EF4-FFF2-40B4-BE49-F238E27FC236}">
+                <a16:creationId xmlns:a16="http://schemas.microsoft.com/office/drawing/2014/main" id="{D2FDAAAB-79D1-5B8B-5299-2D43F767AE32}"/>
+              </a:ext>
+            </a:extLst>
+          </p:cNvPr>
+          <p:cNvSpPr/>
+          <p:nvPr/>
+        </p:nvSpPr>
+        <p:spPr>
+          <a:xfrm>
+            <a:off x="1960129" y="1349278"/>
+            <a:ext cx="1360512" cy="648315"/>
+          </a:xfrm>
+          <a:prstGeom prst="wedgeRectCallout">
+            <a:avLst>
+              <a:gd name="adj1" fmla="val 113586"/>
+              <a:gd name="adj2" fmla="val -32761"/>
+            </a:avLst>
+          </a:prstGeom>
+        </p:spPr>
+        <p:style>
+          <a:lnRef idx="2">
+            <a:schemeClr val="accent1">
+              <a:shade val="50000"/>
+            </a:schemeClr>
+          </a:lnRef>
+          <a:fillRef idx="1">
+            <a:schemeClr val="accent1"/>
+          </a:fillRef>
+          <a:effectRef idx="0">
+            <a:schemeClr val="accent1"/>
+          </a:effectRef>
+          <a:fontRef idx="minor">
+            <a:schemeClr val="lt1"/>
+          </a:fontRef>
+        </p:style>
+        <p:txBody>
+          <a:bodyPr rtlCol="0" anchor="ctr"/>
+          <a:lstStyle/>
+          <a:p>
+            <a:pPr algn="ctr"/>
+            <a:r>
+              <a:rPr lang="en-NO" dirty="0"/>
+              <a:t>Starting point</a:t>
+            </a:r>
+          </a:p>
+        </p:txBody>
+      </p:sp>
+      <p:sp>
+        <p:nvSpPr>
+          <p:cNvPr id="11" name="Rectangular Callout 10">
+            <a:extLst>
+              <a:ext uri="{FF2B5EF4-FFF2-40B4-BE49-F238E27FC236}">
+                <a16:creationId xmlns:a16="http://schemas.microsoft.com/office/drawing/2014/main" id="{0DAE20F0-3580-12E8-E050-9A835F14BCCD}"/>
+              </a:ext>
+            </a:extLst>
+          </p:cNvPr>
+          <p:cNvSpPr/>
+          <p:nvPr/>
+        </p:nvSpPr>
+        <p:spPr>
+          <a:xfrm>
+            <a:off x="8848748" y="3606696"/>
+            <a:ext cx="1377468" cy="830750"/>
+          </a:xfrm>
+          <a:prstGeom prst="wedgeRectCallout">
+            <a:avLst>
+              <a:gd name="adj1" fmla="val -125236"/>
+              <a:gd name="adj2" fmla="val -123198"/>
+            </a:avLst>
+          </a:prstGeom>
+        </p:spPr>
+        <p:style>
+          <a:lnRef idx="2">
+            <a:schemeClr val="accent1">
+              <a:shade val="50000"/>
+            </a:schemeClr>
+          </a:lnRef>
+          <a:fillRef idx="1">
+            <a:schemeClr val="accent1"/>
+          </a:fillRef>
+          <a:effectRef idx="0">
+            <a:schemeClr val="accent1"/>
+          </a:effectRef>
+          <a:fontRef idx="minor">
+            <a:schemeClr val="lt1"/>
+          </a:fontRef>
+        </p:style>
+        <p:txBody>
+          <a:bodyPr rtlCol="0" anchor="ctr"/>
+          <a:lstStyle/>
+          <a:p>
+            <a:pPr algn="ctr"/>
+            <a:r>
+              <a:rPr lang="en-NO" dirty="0"/>
+              <a:t>Steering limit indiction</a:t>
+            </a:r>
+          </a:p>
+        </p:txBody>
+      </p:sp>
+      <p:sp>
+        <p:nvSpPr>
+          <p:cNvPr id="12" name="Rectangular Callout 11">
+            <a:extLst>
+              <a:ext uri="{FF2B5EF4-FFF2-40B4-BE49-F238E27FC236}">
+                <a16:creationId xmlns:a16="http://schemas.microsoft.com/office/drawing/2014/main" id="{8BDBD27D-FBE2-66EB-B6B2-76B74EDC9405}"/>
+              </a:ext>
+            </a:extLst>
+          </p:cNvPr>
+          <p:cNvSpPr/>
+          <p:nvPr/>
+        </p:nvSpPr>
+        <p:spPr>
+          <a:xfrm>
+            <a:off x="6379246" y="1232819"/>
+            <a:ext cx="1603424" cy="411821"/>
+          </a:xfrm>
+          <a:prstGeom prst="wedgeRectCallout">
+            <a:avLst>
+              <a:gd name="adj1" fmla="val -23311"/>
+              <a:gd name="adj2" fmla="val 137752"/>
+            </a:avLst>
+          </a:prstGeom>
+        </p:spPr>
+        <p:style>
+          <a:lnRef idx="2">
+            <a:schemeClr val="accent1">
+              <a:shade val="50000"/>
+            </a:schemeClr>
+          </a:lnRef>
+          <a:fillRef idx="1">
+            <a:schemeClr val="accent1"/>
+          </a:fillRef>
+          <a:effectRef idx="0">
+            <a:schemeClr val="accent1"/>
+          </a:effectRef>
+          <a:fontRef idx="minor">
+            <a:schemeClr val="lt1"/>
+          </a:fontRef>
+        </p:style>
+        <p:txBody>
+          <a:bodyPr rtlCol="0" anchor="ctr"/>
+          <a:lstStyle/>
+          <a:p>
+            <a:pPr algn="ctr"/>
+            <a:r>
+              <a:rPr lang="en-NO" dirty="0"/>
+              <a:t>Visible boulder</a:t>
+            </a:r>
+          </a:p>
+        </p:txBody>
+      </p:sp>
+      <p:sp>
+        <p:nvSpPr>
+          <p:cNvPr id="13" name="Rectangular Callout 12">
+            <a:extLst>
+              <a:ext uri="{FF2B5EF4-FFF2-40B4-BE49-F238E27FC236}">
+                <a16:creationId xmlns:a16="http://schemas.microsoft.com/office/drawing/2014/main" id="{F272E083-7B2C-F17B-AC68-384AA834D33C}"/>
+              </a:ext>
+            </a:extLst>
+          </p:cNvPr>
+          <p:cNvSpPr/>
+          <p:nvPr/>
+        </p:nvSpPr>
+        <p:spPr>
+          <a:xfrm>
+            <a:off x="8865704" y="1288833"/>
+            <a:ext cx="1360512" cy="2257988"/>
+          </a:xfrm>
+          <a:prstGeom prst="wedgeRectCallout">
+            <a:avLst>
+              <a:gd name="adj1" fmla="val -78728"/>
+              <a:gd name="adj2" fmla="val -11770"/>
+            </a:avLst>
+          </a:prstGeom>
+        </p:spPr>
+        <p:style>
+          <a:lnRef idx="2">
+            <a:schemeClr val="accent6">
+              <a:shade val="50000"/>
+            </a:schemeClr>
+          </a:lnRef>
+          <a:fillRef idx="1">
+            <a:schemeClr val="accent6"/>
+          </a:fillRef>
+          <a:effectRef idx="0">
+            <a:schemeClr val="accent6"/>
+          </a:effectRef>
+          <a:fontRef idx="minor">
+            <a:schemeClr val="lt1"/>
+          </a:fontRef>
+        </p:style>
+        <p:txBody>
+          <a:bodyPr rtlCol="0" anchor="ctr"/>
+          <a:lstStyle/>
+          <a:p>
+            <a:pPr algn="ctr"/>
+            <a:r>
+              <a:rPr lang="en-US" dirty="0"/>
+              <a:t>Reflected soundwaves </a:t>
+            </a:r>
+          </a:p>
+          <a:p>
+            <a:pPr algn="ctr"/>
+            <a:r>
+              <a:rPr lang="en-US" dirty="0"/>
+              <a:t>(gray dots) identify the position of boulders closest to the surface</a:t>
+            </a:r>
+            <a:endParaRPr lang="en-NO" dirty="0"/>
+          </a:p>
+        </p:txBody>
+      </p:sp>
+      <p:sp>
+        <p:nvSpPr>
+          <p:cNvPr id="14" name="Rectangular Callout 13">
+            <a:extLst>
+              <a:ext uri="{FF2B5EF4-FFF2-40B4-BE49-F238E27FC236}">
+                <a16:creationId xmlns:a16="http://schemas.microsoft.com/office/drawing/2014/main" id="{7A27FF35-9EBC-07CF-3477-D7DE8F48ABA0}"/>
+              </a:ext>
+            </a:extLst>
+          </p:cNvPr>
+          <p:cNvSpPr/>
+          <p:nvPr/>
+        </p:nvSpPr>
+        <p:spPr>
+          <a:xfrm>
+            <a:off x="1960129" y="2086952"/>
+            <a:ext cx="1360512" cy="2087217"/>
+          </a:xfrm>
+          <a:prstGeom prst="wedgeRectCallout">
+            <a:avLst>
+              <a:gd name="adj1" fmla="val 145957"/>
+              <a:gd name="adj2" fmla="val -60957"/>
+            </a:avLst>
+          </a:prstGeom>
+        </p:spPr>
+        <p:style>
+          <a:lnRef idx="2">
+            <a:schemeClr val="accent6">
+              <a:shade val="50000"/>
+            </a:schemeClr>
+          </a:lnRef>
+          <a:fillRef idx="1">
+            <a:schemeClr val="accent6"/>
+          </a:fillRef>
+          <a:effectRef idx="0">
+            <a:schemeClr val="accent6"/>
+          </a:effectRef>
+          <a:fontRef idx="minor">
+            <a:schemeClr val="lt1"/>
+          </a:fontRef>
+        </p:style>
+        <p:txBody>
+          <a:bodyPr rtlCol="0" anchor="ctr"/>
+          <a:lstStyle/>
+          <a:p>
+            <a:pPr algn="ctr"/>
+            <a:r>
+              <a:rPr lang="en-US" dirty="0"/>
+              <a:t>Logging instruments near drill bit remove </a:t>
+            </a:r>
+            <a:br>
+              <a:rPr lang="en-US" dirty="0"/>
+            </a:br>
+            <a:r>
+              <a:rPr lang="en-US" dirty="0"/>
+              <a:t>the Fog of uncertainty</a:t>
+            </a:r>
+            <a:endParaRPr lang="en-NO" dirty="0"/>
+          </a:p>
+        </p:txBody>
+      </p:sp>
+      <p:sp>
+        <p:nvSpPr>
+          <p:cNvPr id="15" name="Rectangular Callout 14">
+            <a:extLst>
+              <a:ext uri="{FF2B5EF4-FFF2-40B4-BE49-F238E27FC236}">
+                <a16:creationId xmlns:a16="http://schemas.microsoft.com/office/drawing/2014/main" id="{AD953B94-83C4-58E5-268B-09E24648F0CA}"/>
+              </a:ext>
+            </a:extLst>
+          </p:cNvPr>
+          <p:cNvSpPr/>
+          <p:nvPr/>
+        </p:nvSpPr>
+        <p:spPr>
+          <a:xfrm>
+            <a:off x="5388790" y="3362998"/>
+            <a:ext cx="1431368" cy="367646"/>
+          </a:xfrm>
+          <a:prstGeom prst="wedgeRectCallout">
+            <a:avLst>
+              <a:gd name="adj1" fmla="val 7624"/>
+              <a:gd name="adj2" fmla="val -314325"/>
+            </a:avLst>
+          </a:prstGeom>
+        </p:spPr>
+        <p:style>
+          <a:lnRef idx="2">
+            <a:schemeClr val="accent1">
+              <a:shade val="50000"/>
+            </a:schemeClr>
+          </a:lnRef>
+          <a:fillRef idx="1">
+            <a:schemeClr val="accent1"/>
+          </a:fillRef>
+          <a:effectRef idx="0">
+            <a:schemeClr val="accent1"/>
+          </a:effectRef>
+          <a:fontRef idx="minor">
+            <a:schemeClr val="lt1"/>
+          </a:fontRef>
+        </p:style>
+        <p:txBody>
+          <a:bodyPr rtlCol="0" anchor="ctr"/>
+          <a:lstStyle/>
+          <a:p>
+            <a:pPr algn="ctr"/>
+            <a:r>
+              <a:rPr lang="en-NO" dirty="0"/>
+              <a:t>Current well</a:t>
+            </a:r>
+          </a:p>
+        </p:txBody>
+      </p:sp>
+      <p:sp>
+        <p:nvSpPr>
+          <p:cNvPr id="16" name="Rectangular Callout 15">
+            <a:extLst>
+              <a:ext uri="{FF2B5EF4-FFF2-40B4-BE49-F238E27FC236}">
+                <a16:creationId xmlns:a16="http://schemas.microsoft.com/office/drawing/2014/main" id="{3F22C2BE-EFEC-43D0-87B5-11DFFCB9EEFB}"/>
+              </a:ext>
+            </a:extLst>
+          </p:cNvPr>
+          <p:cNvSpPr/>
+          <p:nvPr/>
+        </p:nvSpPr>
+        <p:spPr>
+          <a:xfrm>
+            <a:off x="3485994" y="2762915"/>
+            <a:ext cx="1511012" cy="367646"/>
+          </a:xfrm>
+          <a:prstGeom prst="wedgeRectCallout">
+            <a:avLst>
+              <a:gd name="adj1" fmla="val 63837"/>
+              <a:gd name="adj2" fmla="val -54793"/>
+            </a:avLst>
+          </a:prstGeom>
+        </p:spPr>
+        <p:style>
+          <a:lnRef idx="2">
+            <a:schemeClr val="accent1">
+              <a:shade val="50000"/>
+            </a:schemeClr>
+          </a:lnRef>
+          <a:fillRef idx="1">
+            <a:schemeClr val="accent1"/>
+          </a:fillRef>
+          <a:effectRef idx="0">
+            <a:schemeClr val="accent1"/>
+          </a:effectRef>
+          <a:fontRef idx="minor">
+            <a:schemeClr val="lt1"/>
+          </a:fontRef>
+        </p:style>
+        <p:txBody>
+          <a:bodyPr rtlCol="0" anchor="ctr"/>
+          <a:lstStyle/>
+          <a:p>
+            <a:pPr algn="ctr"/>
+            <a:r>
+              <a:rPr lang="en-NO" dirty="0"/>
+              <a:t>Old side-track</a:t>
+            </a:r>
+          </a:p>
+        </p:txBody>
+      </p:sp>
+      <p:sp>
+        <p:nvSpPr>
+          <p:cNvPr id="17" name="Rectangular Callout 16">
+            <a:extLst>
+              <a:ext uri="{FF2B5EF4-FFF2-40B4-BE49-F238E27FC236}">
+                <a16:creationId xmlns:a16="http://schemas.microsoft.com/office/drawing/2014/main" id="{12AE156F-B4DB-1453-9754-ECD35C0BFAD5}"/>
+              </a:ext>
+            </a:extLst>
+          </p:cNvPr>
+          <p:cNvSpPr/>
+          <p:nvPr/>
+        </p:nvSpPr>
+        <p:spPr>
+          <a:xfrm>
+            <a:off x="8848748" y="4601817"/>
+            <a:ext cx="1377468" cy="1315477"/>
+          </a:xfrm>
+          <a:prstGeom prst="wedgeRectCallout">
+            <a:avLst>
+              <a:gd name="adj1" fmla="val -85634"/>
+              <a:gd name="adj2" fmla="val -42441"/>
+            </a:avLst>
+          </a:prstGeom>
+        </p:spPr>
+        <p:style>
+          <a:lnRef idx="2">
+            <a:schemeClr val="accent1">
+              <a:shade val="50000"/>
+            </a:schemeClr>
+          </a:lnRef>
+          <a:fillRef idx="1">
+            <a:schemeClr val="accent1"/>
+          </a:fillRef>
+          <a:effectRef idx="0">
+            <a:schemeClr val="accent1"/>
+          </a:effectRef>
+          <a:fontRef idx="minor">
+            <a:schemeClr val="lt1"/>
+          </a:fontRef>
+        </p:style>
+        <p:txBody>
+          <a:bodyPr rtlCol="0" anchor="ctr"/>
+          <a:lstStyle/>
+          <a:p>
+            <a:pPr algn="ctr"/>
+            <a:r>
+              <a:rPr lang="en-NO" dirty="0"/>
+              <a:t>Pause and go back to drill in different direction</a:t>
+            </a:r>
+          </a:p>
+        </p:txBody>
+      </p:sp>
+      <p:sp>
+        <p:nvSpPr>
+          <p:cNvPr id="18" name="Rectangular Callout 17">
+            <a:extLst>
+              <a:ext uri="{FF2B5EF4-FFF2-40B4-BE49-F238E27FC236}">
+                <a16:creationId xmlns:a16="http://schemas.microsoft.com/office/drawing/2014/main" id="{43B9AD8E-E3EA-3C48-4A24-0A60925040D4}"/>
+              </a:ext>
+            </a:extLst>
+          </p:cNvPr>
+          <p:cNvSpPr/>
+          <p:nvPr/>
+        </p:nvSpPr>
+        <p:spPr>
+          <a:xfrm>
+            <a:off x="1943173" y="4866150"/>
+            <a:ext cx="1377468" cy="1150865"/>
+          </a:xfrm>
+          <a:prstGeom prst="wedgeRectCallout">
+            <a:avLst>
+              <a:gd name="adj1" fmla="val 204195"/>
+              <a:gd name="adj2" fmla="val -63456"/>
+            </a:avLst>
+          </a:prstGeom>
+        </p:spPr>
+        <p:style>
+          <a:lnRef idx="2">
+            <a:schemeClr val="accent1">
+              <a:shade val="50000"/>
+            </a:schemeClr>
+          </a:lnRef>
+          <a:fillRef idx="1">
+            <a:schemeClr val="accent1"/>
+          </a:fillRef>
+          <a:effectRef idx="0">
+            <a:schemeClr val="accent1"/>
+          </a:effectRef>
+          <a:fontRef idx="minor">
+            <a:schemeClr val="lt1"/>
+          </a:fontRef>
+        </p:style>
+        <p:txBody>
+          <a:bodyPr rtlCol="0" anchor="ctr"/>
+          <a:lstStyle/>
+          <a:p>
+            <a:pPr algn="ctr"/>
+            <a:r>
+              <a:rPr lang="en-NO" dirty="0"/>
+              <a:t>Change drilling direction </a:t>
+            </a:r>
+            <a:br>
+              <a:rPr lang="en-NO" dirty="0"/>
+            </a:br>
+            <a:r>
+              <a:rPr lang="en-NO" dirty="0"/>
+              <a:t>in real-time</a:t>
+            </a:r>
+          </a:p>
+        </p:txBody>
+      </p:sp>
+      <p:sp>
+        <p:nvSpPr>
+          <p:cNvPr id="19" name="Rectangular Callout 18">
+            <a:extLst>
+              <a:ext uri="{FF2B5EF4-FFF2-40B4-BE49-F238E27FC236}">
+                <a16:creationId xmlns:a16="http://schemas.microsoft.com/office/drawing/2014/main" id="{D2E9732F-B5E2-59AE-B48C-31872DAA1269}"/>
+              </a:ext>
+            </a:extLst>
+          </p:cNvPr>
+          <p:cNvSpPr/>
+          <p:nvPr/>
+        </p:nvSpPr>
+        <p:spPr>
+          <a:xfrm>
+            <a:off x="8848748" y="6027250"/>
+            <a:ext cx="1400079" cy="830750"/>
+          </a:xfrm>
+          <a:prstGeom prst="wedgeRectCallout">
+            <a:avLst>
+              <a:gd name="adj1" fmla="val -79503"/>
+              <a:gd name="adj2" fmla="val -49424"/>
+            </a:avLst>
+          </a:prstGeom>
+        </p:spPr>
+        <p:style>
+          <a:lnRef idx="2">
+            <a:schemeClr val="accent1">
+              <a:shade val="50000"/>
+            </a:schemeClr>
+          </a:lnRef>
+          <a:fillRef idx="1">
+            <a:schemeClr val="accent1"/>
+          </a:fillRef>
+          <a:effectRef idx="0">
+            <a:schemeClr val="accent1"/>
+          </a:effectRef>
+          <a:fontRef idx="minor">
+            <a:schemeClr val="lt1"/>
+          </a:fontRef>
+        </p:style>
+        <p:txBody>
+          <a:bodyPr rtlCol="0" anchor="ctr"/>
+          <a:lstStyle/>
+          <a:p>
+            <a:pPr algn="ctr"/>
+            <a:r>
+              <a:rPr lang="en-NO" dirty="0"/>
+              <a:t>H</a:t>
+            </a:r>
+            <a:r>
+              <a:rPr lang="en-GB" dirty="0"/>
+              <a:t>o</a:t>
+            </a:r>
+            <a:r>
+              <a:rPr lang="en-NO" dirty="0"/>
+              <a:t>w much bit resists the turns</a:t>
+            </a:r>
+          </a:p>
+        </p:txBody>
+      </p:sp>
+      <p:sp>
+        <p:nvSpPr>
+          <p:cNvPr id="21" name="TextBox 20">
+            <a:extLst>
+              <a:ext uri="{FF2B5EF4-FFF2-40B4-BE49-F238E27FC236}">
+                <a16:creationId xmlns:a16="http://schemas.microsoft.com/office/drawing/2014/main" id="{B06BD45A-9254-68A7-7C4F-898CF4CCDA77}"/>
+              </a:ext>
+            </a:extLst>
+          </p:cNvPr>
+          <p:cNvSpPr txBox="1"/>
+          <p:nvPr/>
+        </p:nvSpPr>
+        <p:spPr>
+          <a:xfrm>
+            <a:off x="5593866" y="1438729"/>
+            <a:ext cx="736099" cy="369332"/>
+          </a:xfrm>
+          <a:prstGeom prst="rect">
+            <a:avLst/>
+          </a:prstGeom>
+          <a:noFill/>
+        </p:spPr>
+        <p:txBody>
+          <a:bodyPr wrap="none" rtlCol="0">
+            <a:spAutoFit/>
+          </a:bodyPr>
+          <a:lstStyle/>
+          <a:p>
+            <a:r>
+              <a:rPr lang="en-NO" dirty="0">
+                <a:solidFill>
+                  <a:schemeClr val="bg1"/>
+                </a:solidFill>
+              </a:rPr>
+              <a:t>RIVER</a:t>
+            </a:r>
+          </a:p>
+        </p:txBody>
+      </p:sp>
+      <p:sp>
+        <p:nvSpPr>
+          <p:cNvPr id="22" name="Rectangular Callout 21">
+            <a:extLst>
+              <a:ext uri="{FF2B5EF4-FFF2-40B4-BE49-F238E27FC236}">
+                <a16:creationId xmlns:a16="http://schemas.microsoft.com/office/drawing/2014/main" id="{C25346C3-B7F8-D109-D8FB-2AAA3381CE89}"/>
+              </a:ext>
+            </a:extLst>
+          </p:cNvPr>
+          <p:cNvSpPr/>
+          <p:nvPr/>
+        </p:nvSpPr>
+        <p:spPr>
+          <a:xfrm>
+            <a:off x="1951651" y="4263528"/>
+            <a:ext cx="1377468" cy="519457"/>
+          </a:xfrm>
+          <a:prstGeom prst="wedgeRectCallout">
+            <a:avLst>
+              <a:gd name="adj1" fmla="val 75037"/>
+              <a:gd name="adj2" fmla="val -13083"/>
+            </a:avLst>
+          </a:prstGeom>
+          <a:ln>
+            <a:solidFill>
+              <a:schemeClr val="accent1"/>
+            </a:solidFill>
+          </a:ln>
+        </p:spPr>
+        <p:style>
+          <a:lnRef idx="2">
+            <a:schemeClr val="accent1">
+              <a:shade val="50000"/>
+            </a:schemeClr>
+          </a:lnRef>
+          <a:fillRef idx="1">
+            <a:schemeClr val="accent1"/>
+          </a:fillRef>
+          <a:effectRef idx="0">
+            <a:schemeClr val="accent1"/>
+          </a:effectRef>
+          <a:fontRef idx="minor">
+            <a:schemeClr val="lt1"/>
+          </a:fontRef>
+        </p:style>
+        <p:txBody>
+          <a:bodyPr rtlCol="0" anchor="ctr"/>
+          <a:lstStyle/>
+          <a:p>
+            <a:pPr algn="ctr"/>
+            <a:r>
+              <a:rPr lang="en-NO" dirty="0"/>
+              <a:t>“Lives” left</a:t>
+            </a:r>
+          </a:p>
+        </p:txBody>
+      </p:sp>
+      <p:sp>
+        <p:nvSpPr>
+          <p:cNvPr id="23" name="Rectangle 22">
+            <a:extLst>
+              <a:ext uri="{FF2B5EF4-FFF2-40B4-BE49-F238E27FC236}">
+                <a16:creationId xmlns:a16="http://schemas.microsoft.com/office/drawing/2014/main" id="{0DE95D35-9F78-0ED7-9E7D-475A3B3950C7}"/>
+              </a:ext>
+            </a:extLst>
+          </p:cNvPr>
+          <p:cNvSpPr/>
+          <p:nvPr/>
+        </p:nvSpPr>
+        <p:spPr>
+          <a:xfrm>
+            <a:off x="3657601" y="4174434"/>
+            <a:ext cx="4880112" cy="280645"/>
+          </a:xfrm>
+          <a:prstGeom prst="rect">
+            <a:avLst/>
+          </a:prstGeom>
+          <a:noFill/>
+          <a:ln w="28575">
+            <a:solidFill>
+              <a:schemeClr val="accent1"/>
+            </a:solidFill>
+          </a:ln>
+        </p:spPr>
+        <p:style>
+          <a:lnRef idx="2">
+            <a:schemeClr val="accent1">
+              <a:shade val="50000"/>
+            </a:schemeClr>
+          </a:lnRef>
+          <a:fillRef idx="1">
+            <a:schemeClr val="accent1"/>
+          </a:fillRef>
+          <a:effectRef idx="0">
+            <a:schemeClr val="accent1"/>
+          </a:effectRef>
+          <a:fontRef idx="minor">
+            <a:schemeClr val="lt1"/>
+          </a:fontRef>
+        </p:style>
+        <p:txBody>
+          <a:bodyPr rtlCol="0" anchor="ctr"/>
+          <a:lstStyle/>
+          <a:p>
+            <a:pPr algn="ctr"/>
+            <a:endParaRPr lang="en-NO"/>
+          </a:p>
+        </p:txBody>
+      </p:sp>
+      <p:sp>
+        <p:nvSpPr>
+          <p:cNvPr id="10" name="Rectangular Callout 9">
+            <a:extLst>
+              <a:ext uri="{FF2B5EF4-FFF2-40B4-BE49-F238E27FC236}">
+                <a16:creationId xmlns:a16="http://schemas.microsoft.com/office/drawing/2014/main" id="{6159F8D8-733F-D9E7-FD3D-7A8CDE5714F6}"/>
+              </a:ext>
+            </a:extLst>
+          </p:cNvPr>
+          <p:cNvSpPr/>
+          <p:nvPr/>
+        </p:nvSpPr>
+        <p:spPr>
+          <a:xfrm>
+            <a:off x="6901763" y="3362998"/>
+            <a:ext cx="1377469" cy="646968"/>
+          </a:xfrm>
+          <a:prstGeom prst="wedgeRectCallout">
+            <a:avLst>
+              <a:gd name="adj1" fmla="val -37569"/>
+              <a:gd name="adj2" fmla="val -189666"/>
+            </a:avLst>
+          </a:prstGeom>
+        </p:spPr>
+        <p:style>
+          <a:lnRef idx="2">
+            <a:schemeClr val="accent1">
+              <a:shade val="50000"/>
+            </a:schemeClr>
+          </a:lnRef>
+          <a:fillRef idx="1">
+            <a:schemeClr val="accent1"/>
+          </a:fillRef>
+          <a:effectRef idx="0">
+            <a:schemeClr val="accent1"/>
+          </a:effectRef>
+          <a:fontRef idx="minor">
+            <a:schemeClr val="lt1"/>
+          </a:fontRef>
+        </p:style>
+        <p:txBody>
+          <a:bodyPr rtlCol="0" anchor="ctr"/>
+          <a:lstStyle/>
+          <a:p>
+            <a:pPr algn="ctr"/>
+            <a:r>
+              <a:rPr lang="en-NO" dirty="0"/>
+              <a:t>Bit direction (aka bias)</a:t>
+            </a:r>
+          </a:p>
+        </p:txBody>
+      </p:sp>
+      <p:sp>
+        <p:nvSpPr>
+          <p:cNvPr id="24" name="Rectangular Callout 23">
+            <a:extLst>
+              <a:ext uri="{FF2B5EF4-FFF2-40B4-BE49-F238E27FC236}">
+                <a16:creationId xmlns:a16="http://schemas.microsoft.com/office/drawing/2014/main" id="{1BF62D10-C5D3-6458-3F01-1D53CA9A82CC}"/>
+              </a:ext>
+            </a:extLst>
+          </p:cNvPr>
+          <p:cNvSpPr/>
+          <p:nvPr/>
+        </p:nvSpPr>
+        <p:spPr>
+          <a:xfrm>
+            <a:off x="3567884" y="5062763"/>
+            <a:ext cx="1511012" cy="837617"/>
+          </a:xfrm>
+          <a:prstGeom prst="wedgeRectCallout">
+            <a:avLst>
+              <a:gd name="adj1" fmla="val 111117"/>
+              <a:gd name="adj2" fmla="val 9079"/>
+            </a:avLst>
+          </a:prstGeom>
+        </p:spPr>
+        <p:style>
+          <a:lnRef idx="2">
+            <a:schemeClr val="accent1">
+              <a:shade val="50000"/>
+            </a:schemeClr>
+          </a:lnRef>
+          <a:fillRef idx="1">
+            <a:schemeClr val="accent1"/>
+          </a:fillRef>
+          <a:effectRef idx="0">
+            <a:schemeClr val="accent1"/>
+          </a:effectRef>
+          <a:fontRef idx="minor">
+            <a:schemeClr val="lt1"/>
+          </a:fontRef>
+        </p:style>
+        <p:txBody>
+          <a:bodyPr rtlCol="0" anchor="ctr"/>
+          <a:lstStyle/>
+          <a:p>
+            <a:pPr algn="ctr"/>
+            <a:r>
+              <a:rPr lang="en-US" dirty="0"/>
+              <a:t>Keep trying </a:t>
+            </a:r>
+            <a:r>
+              <a:rPr lang="en-US" b="1" dirty="0"/>
+              <a:t>this</a:t>
+            </a:r>
+            <a:r>
+              <a:rPr lang="en-US" dirty="0"/>
+              <a:t> or go to </a:t>
+            </a:r>
+            <a:r>
+              <a:rPr lang="en-US" b="1" dirty="0"/>
+              <a:t>next</a:t>
+            </a:r>
+            <a:r>
+              <a:rPr lang="en-US" dirty="0"/>
+              <a:t> level</a:t>
+            </a:r>
+            <a:endParaRPr lang="en-NO" dirty="0"/>
+          </a:p>
+        </p:txBody>
+      </p:sp>
+      <p:sp>
+        <p:nvSpPr>
+          <p:cNvPr id="25" name="Rectangular Callout 24">
+            <a:extLst>
+              <a:ext uri="{FF2B5EF4-FFF2-40B4-BE49-F238E27FC236}">
+                <a16:creationId xmlns:a16="http://schemas.microsoft.com/office/drawing/2014/main" id="{565F02E5-02C2-D9E0-DC4C-5D07E7716679}"/>
+              </a:ext>
+            </a:extLst>
+          </p:cNvPr>
+          <p:cNvSpPr/>
+          <p:nvPr/>
+        </p:nvSpPr>
+        <p:spPr>
+          <a:xfrm>
+            <a:off x="3567884" y="5062763"/>
+            <a:ext cx="1511012" cy="837617"/>
+          </a:xfrm>
+          <a:prstGeom prst="wedgeRectCallout">
+            <a:avLst>
+              <a:gd name="adj1" fmla="val 36130"/>
+              <a:gd name="adj2" fmla="val 71969"/>
+            </a:avLst>
+          </a:prstGeom>
+        </p:spPr>
+        <p:style>
+          <a:lnRef idx="2">
+            <a:schemeClr val="accent1">
+              <a:shade val="50000"/>
+            </a:schemeClr>
+          </a:lnRef>
+          <a:fillRef idx="1">
+            <a:schemeClr val="accent1"/>
+          </a:fillRef>
+          <a:effectRef idx="0">
+            <a:schemeClr val="accent1"/>
+          </a:effectRef>
+          <a:fontRef idx="minor">
+            <a:schemeClr val="lt1"/>
+          </a:fontRef>
+        </p:style>
+        <p:txBody>
+          <a:bodyPr rtlCol="0" anchor="ctr"/>
+          <a:lstStyle/>
+          <a:p>
+            <a:pPr algn="ctr"/>
+            <a:r>
+              <a:rPr lang="en-US" dirty="0"/>
+              <a:t>Keep trying </a:t>
+            </a:r>
+            <a:r>
+              <a:rPr lang="en-US" b="1" dirty="0"/>
+              <a:t>this</a:t>
+            </a:r>
+            <a:r>
+              <a:rPr lang="en-US" dirty="0"/>
+              <a:t> or go to </a:t>
+            </a:r>
+            <a:r>
+              <a:rPr lang="en-US" b="1" dirty="0"/>
+              <a:t>next</a:t>
+            </a:r>
+            <a:r>
+              <a:rPr lang="en-US" dirty="0"/>
+              <a:t> level</a:t>
+            </a:r>
+            <a:endParaRPr lang="en-NO" dirty="0"/>
+          </a:p>
+        </p:txBody>
+      </p:sp>
+      <p:sp>
+        <p:nvSpPr>
+          <p:cNvPr id="44" name="Rectangular Callout 43">
+            <a:extLst>
+              <a:ext uri="{FF2B5EF4-FFF2-40B4-BE49-F238E27FC236}">
+                <a16:creationId xmlns:a16="http://schemas.microsoft.com/office/drawing/2014/main" id="{432C87C5-D32A-3A1C-CB05-376961FEFA9B}"/>
+              </a:ext>
+            </a:extLst>
+          </p:cNvPr>
+          <p:cNvSpPr/>
+          <p:nvPr/>
+        </p:nvSpPr>
+        <p:spPr>
+          <a:xfrm>
+            <a:off x="1942683" y="548007"/>
+            <a:ext cx="1360512" cy="648315"/>
+          </a:xfrm>
+          <a:prstGeom prst="wedgeRectCallout">
+            <a:avLst>
+              <a:gd name="adj1" fmla="val 60256"/>
+              <a:gd name="adj2" fmla="val 37760"/>
+            </a:avLst>
+          </a:prstGeom>
+        </p:spPr>
+        <p:style>
+          <a:lnRef idx="2">
+            <a:schemeClr val="accent1">
+              <a:shade val="50000"/>
+            </a:schemeClr>
+          </a:lnRef>
+          <a:fillRef idx="1">
+            <a:schemeClr val="accent1"/>
+          </a:fillRef>
+          <a:effectRef idx="0">
+            <a:schemeClr val="accent1"/>
+          </a:effectRef>
+          <a:fontRef idx="minor">
+            <a:schemeClr val="lt1"/>
+          </a:fontRef>
+        </p:style>
+        <p:txBody>
+          <a:bodyPr rtlCol="0" anchor="ctr"/>
+          <a:lstStyle/>
+          <a:p>
+            <a:pPr algn="ctr"/>
+            <a:r>
+              <a:rPr lang="en-NO" dirty="0"/>
+              <a:t>Drilling machine</a:t>
+            </a:r>
+          </a:p>
+        </p:txBody>
+      </p:sp>
+    </p:spTree>
+    <p:extLst>
+      <p:ext uri="{BB962C8B-B14F-4D97-AF65-F5344CB8AC3E}">
+        <p14:creationId xmlns:p14="http://schemas.microsoft.com/office/powerpoint/2010/main" val="3420184005"/>
+      </p:ext>
+    </p:extLst>
+  </p:cSld>
+  <p:clrMapOvr>
+    <a:masterClrMapping/>
+  </p:clrMapOvr>
+</p:sld>
+</file>
+
+<file path=ppt/slides/slide2.xml><?xml version="1.0" encoding="utf-8"?>
+<p:sld xmlns:a="http://schemas.openxmlformats.org/drawingml/2006/main" xmlns:r="http://schemas.openxmlformats.org/officeDocument/2006/relationships" xmlns:p="http://schemas.openxmlformats.org/presentationml/2006/main">
+  <p:cSld>
+    <p:spTree>
+      <p:nvGrpSpPr>
+        <p:cNvPr id="1" name=""/>
+        <p:cNvGrpSpPr/>
+        <p:nvPr/>
+      </p:nvGrpSpPr>
+      <p:grpSpPr>
+        <a:xfrm>
+          <a:off x="0" y="0"/>
+          <a:ext cx="0" cy="0"/>
+          <a:chOff x="0" y="0"/>
+          <a:chExt cx="0" cy="0"/>
+        </a:xfrm>
+      </p:grpSpPr>
+      <p:pic>
+        <p:nvPicPr>
           <p:cNvPr id="5" name="Picture 4" descr="Diagram&#10;&#10;Description automatically generated with medium confidence">
             <a:extLst>
               <a:ext uri="{FF2B5EF4-FFF2-40B4-BE49-F238E27FC236}">
@@ -4080,7 +5133,7 @@
 </p:sld>
 </file>
 
-<file path=ppt/slides/slide2.xml><?xml version="1.0" encoding="utf-8"?>
+<file path=ppt/slides/slide3.xml><?xml version="1.0" encoding="utf-8"?>
 <p:sld xmlns:a="http://schemas.openxmlformats.org/drawingml/2006/main" xmlns:r="http://schemas.openxmlformats.org/officeDocument/2006/relationships" xmlns:p="http://schemas.openxmlformats.org/presentationml/2006/main">
   <p:cSld>
     <p:spTree>
